--- a/Lec-3-6-ISA.pptx
+++ b/Lec-3-6-ISA.pptx
@@ -5,7 +5,7 @@
     <p:sldMasterId id="2147483648" r:id="rId1"/>
   </p:sldMasterIdLst>
   <p:notesMasterIdLst>
-    <p:notesMasterId r:id="rId48"/>
+    <p:notesMasterId r:id="rId50"/>
   </p:notesMasterIdLst>
   <p:sldIdLst>
     <p:sldId id="337" r:id="rId2"/>
@@ -44,16 +44,18 @@
     <p:sldId id="381" r:id="rId35"/>
     <p:sldId id="372" r:id="rId36"/>
     <p:sldId id="373" r:id="rId37"/>
-    <p:sldId id="382" r:id="rId38"/>
-    <p:sldId id="368" r:id="rId39"/>
-    <p:sldId id="364" r:id="rId40"/>
-    <p:sldId id="369" r:id="rId41"/>
-    <p:sldId id="383" r:id="rId42"/>
-    <p:sldId id="386" r:id="rId43"/>
-    <p:sldId id="385" r:id="rId44"/>
-    <p:sldId id="387" r:id="rId45"/>
-    <p:sldId id="366" r:id="rId46"/>
-    <p:sldId id="362" r:id="rId47"/>
+    <p:sldId id="388" r:id="rId38"/>
+    <p:sldId id="389" r:id="rId39"/>
+    <p:sldId id="382" r:id="rId40"/>
+    <p:sldId id="368" r:id="rId41"/>
+    <p:sldId id="364" r:id="rId42"/>
+    <p:sldId id="369" r:id="rId43"/>
+    <p:sldId id="383" r:id="rId44"/>
+    <p:sldId id="386" r:id="rId45"/>
+    <p:sldId id="385" r:id="rId46"/>
+    <p:sldId id="387" r:id="rId47"/>
+    <p:sldId id="366" r:id="rId48"/>
+    <p:sldId id="362" r:id="rId49"/>
   </p:sldIdLst>
   <p:sldSz cx="9144000" cy="6858000" type="screen4x3"/>
   <p:notesSz cx="6858000" cy="9144000"/>
@@ -19818,31 +19820,35 @@
           </a:p>
         </p:txBody>
       </p:sp>
-      <p:sp>
-        <p:nvSpPr>
-          <p:cNvPr id="3" name="Content Placeholder 2">
+      <p:pic>
+        <p:nvPicPr>
+          <p:cNvPr id="7" name="Content Placeholder 6">
             <a:extLst>
               <a:ext uri="{FF2B5EF4-FFF2-40B4-BE49-F238E27FC236}">
-                <a16:creationId xmlns:a16="http://schemas.microsoft.com/office/drawing/2014/main" id="{2A0D160F-389A-4C8C-BCCD-DF3ABD637E32}"/>
+                <a16:creationId xmlns:a16="http://schemas.microsoft.com/office/drawing/2014/main" id="{88FC768A-0DC7-4C13-92E5-7C04D1EDFEFB}"/>
               </a:ext>
             </a:extLst>
           </p:cNvPr>
-          <p:cNvSpPr>
-            <a:spLocks noGrp="1"/>
-          </p:cNvSpPr>
+          <p:cNvPicPr>
+            <a:picLocks noGrp="1" noChangeAspect="1"/>
+          </p:cNvPicPr>
           <p:nvPr>
             <p:ph idx="1"/>
           </p:nvPr>
-        </p:nvSpPr>
-        <p:spPr/>
-        <p:txBody>
-          <a:bodyPr/>
-          <a:lstStyle/>
-          <a:p>
-            <a:endParaRPr lang="en-US"/>
-          </a:p>
-        </p:txBody>
-      </p:sp>
+        </p:nvPicPr>
+        <p:blipFill>
+          <a:blip r:embed="rId2"/>
+          <a:stretch>
+            <a:fillRect/>
+          </a:stretch>
+        </p:blipFill>
+        <p:spPr>
+          <a:xfrm>
+            <a:off x="628099" y="1867403"/>
+            <a:ext cx="7887801" cy="4172532"/>
+          </a:xfrm>
+        </p:spPr>
+      </p:pic>
       <p:sp>
         <p:nvSpPr>
           <p:cNvPr id="4" name="Date Placeholder 3">
@@ -19923,6 +19929,322 @@
 </file>
 
 <file path=ppt/slides/slide37.xml><?xml version="1.0" encoding="utf-8"?>
+<p:sld xmlns:a="http://schemas.openxmlformats.org/drawingml/2006/main" xmlns:r="http://schemas.openxmlformats.org/officeDocument/2006/relationships" xmlns:p="http://schemas.openxmlformats.org/presentationml/2006/main">
+  <p:cSld>
+    <p:spTree>
+      <p:nvGrpSpPr>
+        <p:cNvPr id="1" name=""/>
+        <p:cNvGrpSpPr/>
+        <p:nvPr/>
+      </p:nvGrpSpPr>
+      <p:grpSpPr>
+        <a:xfrm>
+          <a:off x="0" y="0"/>
+          <a:ext cx="0" cy="0"/>
+          <a:chOff x="0" y="0"/>
+          <a:chExt cx="0" cy="0"/>
+        </a:xfrm>
+      </p:grpSpPr>
+      <p:sp>
+        <p:nvSpPr>
+          <p:cNvPr id="2" name="Title 1">
+            <a:extLst>
+              <a:ext uri="{FF2B5EF4-FFF2-40B4-BE49-F238E27FC236}">
+                <a16:creationId xmlns:a16="http://schemas.microsoft.com/office/drawing/2014/main" id="{1CAC038C-B566-4B5B-B803-28DD2AD8123A}"/>
+              </a:ext>
+            </a:extLst>
+          </p:cNvPr>
+          <p:cNvSpPr>
+            <a:spLocks noGrp="1"/>
+          </p:cNvSpPr>
+          <p:nvPr>
+            <p:ph type="title"/>
+          </p:nvPr>
+        </p:nvSpPr>
+        <p:spPr/>
+        <p:txBody>
+          <a:bodyPr/>
+          <a:lstStyle/>
+          <a:p>
+            <a:r>
+              <a:rPr lang="en-US" dirty="0"/>
+              <a:t>Example snippets</a:t>
+            </a:r>
+          </a:p>
+        </p:txBody>
+      </p:sp>
+      <p:pic>
+        <p:nvPicPr>
+          <p:cNvPr id="7" name="Content Placeholder 6">
+            <a:extLst>
+              <a:ext uri="{FF2B5EF4-FFF2-40B4-BE49-F238E27FC236}">
+                <a16:creationId xmlns:a16="http://schemas.microsoft.com/office/drawing/2014/main" id="{88FC768A-0DC7-4C13-92E5-7C04D1EDFEFB}"/>
+              </a:ext>
+            </a:extLst>
+          </p:cNvPr>
+          <p:cNvPicPr>
+            <a:picLocks noGrp="1" noChangeAspect="1"/>
+          </p:cNvPicPr>
+          <p:nvPr>
+            <p:ph idx="1"/>
+          </p:nvPr>
+        </p:nvPicPr>
+        <p:blipFill>
+          <a:blip r:embed="rId2">
+            <a:extLst>
+              <a:ext uri="{28A0092B-C50C-407E-A947-70E740481C1C}">
+                <a14:useLocalDpi xmlns:a14="http://schemas.microsoft.com/office/drawing/2010/main" val="0"/>
+              </a:ext>
+            </a:extLst>
+          </a:blip>
+          <a:srcRect/>
+          <a:stretch/>
+        </p:blipFill>
+        <p:spPr>
+          <a:xfrm>
+            <a:off x="1024919" y="1867403"/>
+            <a:ext cx="7094161" cy="4172532"/>
+          </a:xfrm>
+        </p:spPr>
+      </p:pic>
+      <p:sp>
+        <p:nvSpPr>
+          <p:cNvPr id="4" name="Date Placeholder 3">
+            <a:extLst>
+              <a:ext uri="{FF2B5EF4-FFF2-40B4-BE49-F238E27FC236}">
+                <a16:creationId xmlns:a16="http://schemas.microsoft.com/office/drawing/2014/main" id="{ED504F3A-5E41-4D37-9F32-53DFC77566AF}"/>
+              </a:ext>
+            </a:extLst>
+          </p:cNvPr>
+          <p:cNvSpPr>
+            <a:spLocks noGrp="1"/>
+          </p:cNvSpPr>
+          <p:nvPr>
+            <p:ph type="dt" sz="half" idx="10"/>
+          </p:nvPr>
+        </p:nvSpPr>
+        <p:spPr/>
+        <p:txBody>
+          <a:bodyPr/>
+          <a:lstStyle/>
+          <a:p>
+            <a:pPr>
+              <a:defRPr/>
+            </a:pPr>
+            <a:r>
+              <a:rPr lang="en-US"/>
+              <a:t>21/12/2020</a:t>
+            </a:r>
+          </a:p>
+        </p:txBody>
+      </p:sp>
+      <p:sp>
+        <p:nvSpPr>
+          <p:cNvPr id="5" name="Slide Number Placeholder 4">
+            <a:extLst>
+              <a:ext uri="{FF2B5EF4-FFF2-40B4-BE49-F238E27FC236}">
+                <a16:creationId xmlns:a16="http://schemas.microsoft.com/office/drawing/2014/main" id="{90604281-7DE4-4F9B-B2B3-FFAA56B3732B}"/>
+              </a:ext>
+            </a:extLst>
+          </p:cNvPr>
+          <p:cNvSpPr>
+            <a:spLocks noGrp="1"/>
+          </p:cNvSpPr>
+          <p:nvPr>
+            <p:ph type="sldNum" sz="quarter" idx="12"/>
+          </p:nvPr>
+        </p:nvSpPr>
+        <p:spPr/>
+        <p:txBody>
+          <a:bodyPr/>
+          <a:lstStyle/>
+          <a:p>
+            <a:pPr>
+              <a:defRPr/>
+            </a:pPr>
+            <a:fld id="{CA887A73-1AE0-46F8-856A-18EA1CF30A1B}" type="slidenum">
+              <a:rPr lang="en-US" altLang="en-US" smtClean="0"/>
+              <a:pPr>
+                <a:defRPr/>
+              </a:pPr>
+              <a:t>37</a:t>
+            </a:fld>
+            <a:endParaRPr lang="en-US" altLang="en-US"/>
+          </a:p>
+        </p:txBody>
+      </p:sp>
+    </p:spTree>
+    <p:extLst>
+      <p:ext uri="{BB962C8B-B14F-4D97-AF65-F5344CB8AC3E}">
+        <p14:creationId xmlns:p14="http://schemas.microsoft.com/office/powerpoint/2010/main" val="2462090238"/>
+      </p:ext>
+    </p:extLst>
+  </p:cSld>
+  <p:clrMapOvr>
+    <a:masterClrMapping/>
+  </p:clrMapOvr>
+</p:sld>
+</file>
+
+<file path=ppt/slides/slide38.xml><?xml version="1.0" encoding="utf-8"?>
+<p:sld xmlns:a="http://schemas.openxmlformats.org/drawingml/2006/main" xmlns:r="http://schemas.openxmlformats.org/officeDocument/2006/relationships" xmlns:p="http://schemas.openxmlformats.org/presentationml/2006/main">
+  <p:cSld>
+    <p:spTree>
+      <p:nvGrpSpPr>
+        <p:cNvPr id="1" name=""/>
+        <p:cNvGrpSpPr/>
+        <p:nvPr/>
+      </p:nvGrpSpPr>
+      <p:grpSpPr>
+        <a:xfrm>
+          <a:off x="0" y="0"/>
+          <a:ext cx="0" cy="0"/>
+          <a:chOff x="0" y="0"/>
+          <a:chExt cx="0" cy="0"/>
+        </a:xfrm>
+      </p:grpSpPr>
+      <p:sp>
+        <p:nvSpPr>
+          <p:cNvPr id="2" name="Title 1">
+            <a:extLst>
+              <a:ext uri="{FF2B5EF4-FFF2-40B4-BE49-F238E27FC236}">
+                <a16:creationId xmlns:a16="http://schemas.microsoft.com/office/drawing/2014/main" id="{1CAC038C-B566-4B5B-B803-28DD2AD8123A}"/>
+              </a:ext>
+            </a:extLst>
+          </p:cNvPr>
+          <p:cNvSpPr>
+            <a:spLocks noGrp="1"/>
+          </p:cNvSpPr>
+          <p:nvPr>
+            <p:ph type="title"/>
+          </p:nvPr>
+        </p:nvSpPr>
+        <p:spPr/>
+        <p:txBody>
+          <a:bodyPr/>
+          <a:lstStyle/>
+          <a:p>
+            <a:r>
+              <a:rPr lang="en-US" dirty="0"/>
+              <a:t>Example snippets</a:t>
+            </a:r>
+          </a:p>
+        </p:txBody>
+      </p:sp>
+      <p:pic>
+        <p:nvPicPr>
+          <p:cNvPr id="7" name="Content Placeholder 6">
+            <a:extLst>
+              <a:ext uri="{FF2B5EF4-FFF2-40B4-BE49-F238E27FC236}">
+                <a16:creationId xmlns:a16="http://schemas.microsoft.com/office/drawing/2014/main" id="{88FC768A-0DC7-4C13-92E5-7C04D1EDFEFB}"/>
+              </a:ext>
+            </a:extLst>
+          </p:cNvPr>
+          <p:cNvPicPr>
+            <a:picLocks noGrp="1" noChangeAspect="1"/>
+          </p:cNvPicPr>
+          <p:nvPr>
+            <p:ph idx="1"/>
+          </p:nvPr>
+        </p:nvPicPr>
+        <p:blipFill>
+          <a:blip r:embed="rId2">
+            <a:extLst>
+              <a:ext uri="{28A0092B-C50C-407E-A947-70E740481C1C}">
+                <a14:useLocalDpi xmlns:a14="http://schemas.microsoft.com/office/drawing/2010/main" val="0"/>
+              </a:ext>
+            </a:extLst>
+          </a:blip>
+          <a:srcRect/>
+          <a:stretch/>
+        </p:blipFill>
+        <p:spPr>
+          <a:xfrm>
+            <a:off x="1024919" y="1903678"/>
+            <a:ext cx="7094161" cy="4099982"/>
+          </a:xfrm>
+        </p:spPr>
+      </p:pic>
+      <p:sp>
+        <p:nvSpPr>
+          <p:cNvPr id="4" name="Date Placeholder 3">
+            <a:extLst>
+              <a:ext uri="{FF2B5EF4-FFF2-40B4-BE49-F238E27FC236}">
+                <a16:creationId xmlns:a16="http://schemas.microsoft.com/office/drawing/2014/main" id="{ED504F3A-5E41-4D37-9F32-53DFC77566AF}"/>
+              </a:ext>
+            </a:extLst>
+          </p:cNvPr>
+          <p:cNvSpPr>
+            <a:spLocks noGrp="1"/>
+          </p:cNvSpPr>
+          <p:nvPr>
+            <p:ph type="dt" sz="half" idx="10"/>
+          </p:nvPr>
+        </p:nvSpPr>
+        <p:spPr/>
+        <p:txBody>
+          <a:bodyPr/>
+          <a:lstStyle/>
+          <a:p>
+            <a:pPr>
+              <a:defRPr/>
+            </a:pPr>
+            <a:r>
+              <a:rPr lang="en-US"/>
+              <a:t>21/12/2020</a:t>
+            </a:r>
+          </a:p>
+        </p:txBody>
+      </p:sp>
+      <p:sp>
+        <p:nvSpPr>
+          <p:cNvPr id="5" name="Slide Number Placeholder 4">
+            <a:extLst>
+              <a:ext uri="{FF2B5EF4-FFF2-40B4-BE49-F238E27FC236}">
+                <a16:creationId xmlns:a16="http://schemas.microsoft.com/office/drawing/2014/main" id="{90604281-7DE4-4F9B-B2B3-FFAA56B3732B}"/>
+              </a:ext>
+            </a:extLst>
+          </p:cNvPr>
+          <p:cNvSpPr>
+            <a:spLocks noGrp="1"/>
+          </p:cNvSpPr>
+          <p:nvPr>
+            <p:ph type="sldNum" sz="quarter" idx="12"/>
+          </p:nvPr>
+        </p:nvSpPr>
+        <p:spPr/>
+        <p:txBody>
+          <a:bodyPr/>
+          <a:lstStyle/>
+          <a:p>
+            <a:pPr>
+              <a:defRPr/>
+            </a:pPr>
+            <a:fld id="{CA887A73-1AE0-46F8-856A-18EA1CF30A1B}" type="slidenum">
+              <a:rPr lang="en-US" altLang="en-US" smtClean="0"/>
+              <a:pPr>
+                <a:defRPr/>
+              </a:pPr>
+              <a:t>38</a:t>
+            </a:fld>
+            <a:endParaRPr lang="en-US" altLang="en-US"/>
+          </a:p>
+        </p:txBody>
+      </p:sp>
+    </p:spTree>
+    <p:extLst>
+      <p:ext uri="{BB962C8B-B14F-4D97-AF65-F5344CB8AC3E}">
+        <p14:creationId xmlns:p14="http://schemas.microsoft.com/office/powerpoint/2010/main" val="2003200835"/>
+      </p:ext>
+    </p:extLst>
+  </p:cSld>
+  <p:clrMapOvr>
+    <a:masterClrMapping/>
+  </p:clrMapOvr>
+</p:sld>
+</file>
+
+<file path=ppt/slides/slide39.xml><?xml version="1.0" encoding="utf-8"?>
 <p:sld xmlns:a="http://schemas.openxmlformats.org/drawingml/2006/main" xmlns:r="http://schemas.openxmlformats.org/officeDocument/2006/relationships" xmlns:p="http://schemas.openxmlformats.org/presentationml/2006/main">
   <p:cSld>
     <p:spTree>
@@ -20027,7 +20349,7 @@
               <a:pPr>
                 <a:defRPr/>
               </a:pPr>
-              <a:t>37</a:t>
+              <a:t>39</a:t>
             </a:fld>
             <a:endParaRPr lang="en-US" altLang="en-US"/>
           </a:p>
@@ -20071,7 +20393,492 @@
 </p:sld>
 </file>
 
-<file path=ppt/slides/slide38.xml><?xml version="1.0" encoding="utf-8"?>
+<file path=ppt/slides/slide4.xml><?xml version="1.0" encoding="utf-8"?>
+<p:sld xmlns:a="http://schemas.openxmlformats.org/drawingml/2006/main" xmlns:r="http://schemas.openxmlformats.org/officeDocument/2006/relationships" xmlns:p="http://schemas.openxmlformats.org/presentationml/2006/main">
+  <p:cSld>
+    <p:spTree>
+      <p:nvGrpSpPr>
+        <p:cNvPr id="1" name=""/>
+        <p:cNvGrpSpPr/>
+        <p:nvPr/>
+      </p:nvGrpSpPr>
+      <p:grpSpPr>
+        <a:xfrm>
+          <a:off x="0" y="0"/>
+          <a:ext cx="0" cy="0"/>
+          <a:chOff x="0" y="0"/>
+          <a:chExt cx="0" cy="0"/>
+        </a:xfrm>
+      </p:grpSpPr>
+      <p:sp>
+        <p:nvSpPr>
+          <p:cNvPr id="2" name="Title 1">
+            <a:extLst>
+              <a:ext uri="{FF2B5EF4-FFF2-40B4-BE49-F238E27FC236}">
+                <a16:creationId xmlns:a16="http://schemas.microsoft.com/office/drawing/2014/main" id="{2C4D5CBB-059E-48BC-9278-161506489A64}"/>
+              </a:ext>
+            </a:extLst>
+          </p:cNvPr>
+          <p:cNvSpPr>
+            <a:spLocks noGrp="1"/>
+          </p:cNvSpPr>
+          <p:nvPr>
+            <p:ph type="title"/>
+          </p:nvPr>
+        </p:nvSpPr>
+        <p:spPr/>
+        <p:txBody>
+          <a:bodyPr/>
+          <a:lstStyle/>
+          <a:p>
+            <a:r>
+              <a:rPr lang="en-US" dirty="0"/>
+              <a:t>Finite State Machines can accept instructions</a:t>
+            </a:r>
+          </a:p>
+        </p:txBody>
+      </p:sp>
+      <p:sp>
+        <p:nvSpPr>
+          <p:cNvPr id="4" name="Date Placeholder 3">
+            <a:extLst>
+              <a:ext uri="{FF2B5EF4-FFF2-40B4-BE49-F238E27FC236}">
+                <a16:creationId xmlns:a16="http://schemas.microsoft.com/office/drawing/2014/main" id="{9A959D0E-ACE7-4643-81D9-05269EF5E26D}"/>
+              </a:ext>
+            </a:extLst>
+          </p:cNvPr>
+          <p:cNvSpPr>
+            <a:spLocks noGrp="1"/>
+          </p:cNvSpPr>
+          <p:nvPr>
+            <p:ph type="dt" sz="half" idx="10"/>
+          </p:nvPr>
+        </p:nvSpPr>
+        <p:spPr/>
+        <p:txBody>
+          <a:bodyPr/>
+          <a:lstStyle/>
+          <a:p>
+            <a:pPr>
+              <a:defRPr/>
+            </a:pPr>
+            <a:r>
+              <a:rPr lang="en-US"/>
+              <a:t>21/12/2020</a:t>
+            </a:r>
+          </a:p>
+        </p:txBody>
+      </p:sp>
+      <p:sp>
+        <p:nvSpPr>
+          <p:cNvPr id="5" name="Slide Number Placeholder 4">
+            <a:extLst>
+              <a:ext uri="{FF2B5EF4-FFF2-40B4-BE49-F238E27FC236}">
+                <a16:creationId xmlns:a16="http://schemas.microsoft.com/office/drawing/2014/main" id="{8A91ACD4-403A-45E8-90C0-BDAEEE191320}"/>
+              </a:ext>
+            </a:extLst>
+          </p:cNvPr>
+          <p:cNvSpPr>
+            <a:spLocks noGrp="1"/>
+          </p:cNvSpPr>
+          <p:nvPr>
+            <p:ph type="sldNum" sz="quarter" idx="12"/>
+          </p:nvPr>
+        </p:nvSpPr>
+        <p:spPr/>
+        <p:txBody>
+          <a:bodyPr/>
+          <a:lstStyle/>
+          <a:p>
+            <a:pPr>
+              <a:defRPr/>
+            </a:pPr>
+            <a:fld id="{CA887A73-1AE0-46F8-856A-18EA1CF30A1B}" type="slidenum">
+              <a:rPr lang="en-US" altLang="en-US" smtClean="0"/>
+              <a:pPr>
+                <a:defRPr/>
+              </a:pPr>
+              <a:t>4</a:t>
+            </a:fld>
+            <a:endParaRPr lang="en-US" altLang="en-US"/>
+          </a:p>
+        </p:txBody>
+      </p:sp>
+      <p:pic>
+        <p:nvPicPr>
+          <p:cNvPr id="2052" name="Picture 4">
+            <a:extLst>
+              <a:ext uri="{FF2B5EF4-FFF2-40B4-BE49-F238E27FC236}">
+                <a16:creationId xmlns:a16="http://schemas.microsoft.com/office/drawing/2014/main" id="{6D1FF6F0-0C74-4D28-B57C-8B449E86E210}"/>
+              </a:ext>
+            </a:extLst>
+          </p:cNvPr>
+          <p:cNvPicPr>
+            <a:picLocks noGrp="1" noChangeAspect="1" noChangeArrowheads="1"/>
+          </p:cNvPicPr>
+          <p:nvPr>
+            <p:ph idx="1"/>
+          </p:nvPr>
+        </p:nvPicPr>
+        <p:blipFill>
+          <a:blip r:embed="rId2">
+            <a:extLst>
+              <a:ext uri="{28A0092B-C50C-407E-A947-70E740481C1C}">
+                <a14:useLocalDpi xmlns:a14="http://schemas.microsoft.com/office/drawing/2010/main" val="0"/>
+              </a:ext>
+            </a:extLst>
+          </a:blip>
+          <a:srcRect/>
+          <a:stretch>
+            <a:fillRect/>
+          </a:stretch>
+        </p:blipFill>
+        <p:spPr bwMode="auto">
+          <a:xfrm>
+            <a:off x="1779958" y="1447800"/>
+            <a:ext cx="5584083" cy="3811587"/>
+          </a:xfrm>
+          <a:prstGeom prst="rect">
+            <a:avLst/>
+          </a:prstGeom>
+          <a:noFill/>
+          <a:extLst>
+            <a:ext uri="{909E8E84-426E-40DD-AFC4-6F175D3DCCD1}">
+              <a14:hiddenFill xmlns:a14="http://schemas.microsoft.com/office/drawing/2010/main">
+                <a:solidFill>
+                  <a:srgbClr val="FFFFFF"/>
+                </a:solidFill>
+              </a14:hiddenFill>
+            </a:ext>
+          </a:extLst>
+        </p:spPr>
+      </p:pic>
+      <p:sp>
+        <p:nvSpPr>
+          <p:cNvPr id="10" name="Content Placeholder 2">
+            <a:extLst>
+              <a:ext uri="{FF2B5EF4-FFF2-40B4-BE49-F238E27FC236}">
+                <a16:creationId xmlns:a16="http://schemas.microsoft.com/office/drawing/2014/main" id="{8EA9302A-76A9-4F2A-9106-9DC771B312C0}"/>
+              </a:ext>
+            </a:extLst>
+          </p:cNvPr>
+          <p:cNvSpPr txBox="1">
+            <a:spLocks/>
+          </p:cNvSpPr>
+          <p:nvPr/>
+        </p:nvSpPr>
+        <p:spPr bwMode="auto">
+          <a:xfrm>
+            <a:off x="152400" y="5181600"/>
+            <a:ext cx="8839200" cy="1295400"/>
+          </a:xfrm>
+          <a:prstGeom prst="rect">
+            <a:avLst/>
+          </a:prstGeom>
+          <a:noFill/>
+          <a:ln>
+            <a:noFill/>
+          </a:ln>
+          <a:extLst>
+            <a:ext uri="{909E8E84-426E-40DD-AFC4-6F175D3DCCD1}">
+              <a14:hiddenFill xmlns:a14="http://schemas.microsoft.com/office/drawing/2010/main">
+                <a:solidFill>
+                  <a:srgbClr val="FFFFFF"/>
+                </a:solidFill>
+              </a14:hiddenFill>
+            </a:ext>
+            <a:ext uri="{91240B29-F687-4F45-9708-019B960494DF}">
+              <a14:hiddenLine xmlns:a14="http://schemas.microsoft.com/office/drawing/2010/main" w="9525">
+                <a:solidFill>
+                  <a:srgbClr val="000000"/>
+                </a:solidFill>
+                <a:miter lim="800000"/>
+                <a:headEnd/>
+                <a:tailEnd/>
+              </a14:hiddenLine>
+            </a:ext>
+          </a:extLst>
+        </p:spPr>
+        <p:txBody>
+          <a:bodyPr vert="horz" wrap="square" lIns="91440" tIns="45720" rIns="91440" bIns="45720" numCol="1" anchor="t" anchorCtr="0" compatLnSpc="1">
+            <a:prstTxWarp prst="textNoShape">
+              <a:avLst/>
+            </a:prstTxWarp>
+          </a:bodyPr>
+          <a:lstStyle>
+            <a:lvl1pPr marL="342900" indent="-342900" algn="l" rtl="0" eaLnBrk="0" fontAlgn="base" hangingPunct="0">
+              <a:spcBef>
+                <a:spcPct val="20000"/>
+              </a:spcBef>
+              <a:spcAft>
+                <a:spcPct val="0"/>
+              </a:spcAft>
+              <a:buFont typeface="Arial" panose="020B0604020202020204" pitchFamily="34" charset="0"/>
+              <a:buChar char="•"/>
+              <a:defRPr sz="3200" kern="1200">
+                <a:solidFill>
+                  <a:schemeClr val="tx1">
+                    <a:lumMod val="50000"/>
+                    <a:lumOff val="50000"/>
+                  </a:schemeClr>
+                </a:solidFill>
+                <a:latin typeface="+mn-lt"/>
+                <a:ea typeface="+mn-ea"/>
+                <a:cs typeface="+mn-cs"/>
+              </a:defRPr>
+            </a:lvl1pPr>
+            <a:lvl2pPr marL="742950" indent="-285750" algn="l" rtl="0" eaLnBrk="0" fontAlgn="base" hangingPunct="0">
+              <a:spcBef>
+                <a:spcPct val="20000"/>
+              </a:spcBef>
+              <a:spcAft>
+                <a:spcPct val="0"/>
+              </a:spcAft>
+              <a:buFont typeface="Arial" panose="020B0604020202020204" pitchFamily="34" charset="0"/>
+              <a:buChar char="–"/>
+              <a:defRPr sz="2800" kern="1200">
+                <a:solidFill>
+                  <a:schemeClr val="tx1">
+                    <a:lumMod val="50000"/>
+                    <a:lumOff val="50000"/>
+                  </a:schemeClr>
+                </a:solidFill>
+                <a:latin typeface="+mn-lt"/>
+                <a:ea typeface="+mn-ea"/>
+                <a:cs typeface="+mn-cs"/>
+              </a:defRPr>
+            </a:lvl2pPr>
+            <a:lvl3pPr marL="1143000" indent="-228600" algn="l" rtl="0" eaLnBrk="0" fontAlgn="base" hangingPunct="0">
+              <a:spcBef>
+                <a:spcPct val="20000"/>
+              </a:spcBef>
+              <a:spcAft>
+                <a:spcPct val="0"/>
+              </a:spcAft>
+              <a:buFont typeface="Arial" panose="020B0604020202020204" pitchFamily="34" charset="0"/>
+              <a:buChar char="•"/>
+              <a:defRPr sz="2400" kern="1200">
+                <a:solidFill>
+                  <a:schemeClr val="tx1">
+                    <a:lumMod val="50000"/>
+                    <a:lumOff val="50000"/>
+                  </a:schemeClr>
+                </a:solidFill>
+                <a:latin typeface="+mn-lt"/>
+                <a:ea typeface="+mn-ea"/>
+                <a:cs typeface="+mn-cs"/>
+              </a:defRPr>
+            </a:lvl3pPr>
+            <a:lvl4pPr marL="1600200" indent="-228600" algn="l" rtl="0" eaLnBrk="0" fontAlgn="base" hangingPunct="0">
+              <a:spcBef>
+                <a:spcPct val="20000"/>
+              </a:spcBef>
+              <a:spcAft>
+                <a:spcPct val="0"/>
+              </a:spcAft>
+              <a:buFont typeface="Arial" panose="020B0604020202020204" pitchFamily="34" charset="0"/>
+              <a:buChar char="–"/>
+              <a:defRPr sz="2000" kern="1200">
+                <a:solidFill>
+                  <a:schemeClr val="tx1">
+                    <a:lumMod val="50000"/>
+                    <a:lumOff val="50000"/>
+                  </a:schemeClr>
+                </a:solidFill>
+                <a:latin typeface="+mn-lt"/>
+                <a:ea typeface="+mn-ea"/>
+                <a:cs typeface="+mn-cs"/>
+              </a:defRPr>
+            </a:lvl4pPr>
+            <a:lvl5pPr marL="2057400" indent="-228600" algn="l" rtl="0" eaLnBrk="0" fontAlgn="base" hangingPunct="0">
+              <a:spcBef>
+                <a:spcPct val="20000"/>
+              </a:spcBef>
+              <a:spcAft>
+                <a:spcPct val="0"/>
+              </a:spcAft>
+              <a:buFont typeface="Arial" panose="020B0604020202020204" pitchFamily="34" charset="0"/>
+              <a:buChar char="»"/>
+              <a:defRPr sz="2000" kern="1200">
+                <a:solidFill>
+                  <a:schemeClr val="tx1">
+                    <a:lumMod val="50000"/>
+                    <a:lumOff val="50000"/>
+                  </a:schemeClr>
+                </a:solidFill>
+                <a:latin typeface="+mn-lt"/>
+                <a:ea typeface="+mn-ea"/>
+                <a:cs typeface="+mn-cs"/>
+              </a:defRPr>
+            </a:lvl5pPr>
+            <a:lvl6pPr marL="2514600" indent="-228600" algn="l" defTabSz="914400" rtl="0" eaLnBrk="1" latinLnBrk="0" hangingPunct="1">
+              <a:spcBef>
+                <a:spcPct val="20000"/>
+              </a:spcBef>
+              <a:buFont typeface="Arial" pitchFamily="34" charset="0"/>
+              <a:buChar char="•"/>
+              <a:defRPr sz="2000" kern="1200">
+                <a:solidFill>
+                  <a:schemeClr val="tx1"/>
+                </a:solidFill>
+                <a:latin typeface="+mn-lt"/>
+                <a:ea typeface="+mn-ea"/>
+                <a:cs typeface="+mn-cs"/>
+              </a:defRPr>
+            </a:lvl6pPr>
+            <a:lvl7pPr marL="2971800" indent="-228600" algn="l" defTabSz="914400" rtl="0" eaLnBrk="1" latinLnBrk="0" hangingPunct="1">
+              <a:spcBef>
+                <a:spcPct val="20000"/>
+              </a:spcBef>
+              <a:buFont typeface="Arial" pitchFamily="34" charset="0"/>
+              <a:buChar char="•"/>
+              <a:defRPr sz="2000" kern="1200">
+                <a:solidFill>
+                  <a:schemeClr val="tx1"/>
+                </a:solidFill>
+                <a:latin typeface="+mn-lt"/>
+                <a:ea typeface="+mn-ea"/>
+                <a:cs typeface="+mn-cs"/>
+              </a:defRPr>
+            </a:lvl7pPr>
+            <a:lvl8pPr marL="3429000" indent="-228600" algn="l" defTabSz="914400" rtl="0" eaLnBrk="1" latinLnBrk="0" hangingPunct="1">
+              <a:spcBef>
+                <a:spcPct val="20000"/>
+              </a:spcBef>
+              <a:buFont typeface="Arial" pitchFamily="34" charset="0"/>
+              <a:buChar char="•"/>
+              <a:defRPr sz="2000" kern="1200">
+                <a:solidFill>
+                  <a:schemeClr val="tx1"/>
+                </a:solidFill>
+                <a:latin typeface="+mn-lt"/>
+                <a:ea typeface="+mn-ea"/>
+                <a:cs typeface="+mn-cs"/>
+              </a:defRPr>
+            </a:lvl8pPr>
+            <a:lvl9pPr marL="3886200" indent="-228600" algn="l" defTabSz="914400" rtl="0" eaLnBrk="1" latinLnBrk="0" hangingPunct="1">
+              <a:spcBef>
+                <a:spcPct val="20000"/>
+              </a:spcBef>
+              <a:buFont typeface="Arial" pitchFamily="34" charset="0"/>
+              <a:buChar char="•"/>
+              <a:defRPr sz="2000" kern="1200">
+                <a:solidFill>
+                  <a:schemeClr val="tx1"/>
+                </a:solidFill>
+                <a:latin typeface="+mn-lt"/>
+                <a:ea typeface="+mn-ea"/>
+                <a:cs typeface="+mn-cs"/>
+              </a:defRPr>
+            </a:lvl9pPr>
+          </a:lstStyle>
+          <a:p>
+            <a:pPr marL="0" indent="0">
+              <a:buNone/>
+            </a:pPr>
+            <a:r>
+              <a:rPr lang="en-US" sz="2000" dirty="0"/>
+              <a:t>Write a ROM that takes 2 2-bit numbers from registers as inputs, reads an operation from a 2-bit encoder (+/- buttons pressed by user) and puts the result back in one of the two registers (again specified by user button). It should execute only when the +/- button is pressed, and otherwise go to a ‘waiting’ state.</a:t>
+            </a:r>
+          </a:p>
+        </p:txBody>
+      </p:sp>
+    </p:spTree>
+    <p:extLst>
+      <p:ext uri="{BB962C8B-B14F-4D97-AF65-F5344CB8AC3E}">
+        <p14:creationId xmlns:p14="http://schemas.microsoft.com/office/powerpoint/2010/main" val="2180041779"/>
+      </p:ext>
+    </p:extLst>
+  </p:cSld>
+  <p:clrMapOvr>
+    <a:masterClrMapping/>
+  </p:clrMapOvr>
+  <p:timing>
+    <p:tnLst>
+      <p:par>
+        <p:cTn id="1" dur="indefinite" restart="never" nodeType="tmRoot">
+          <p:childTnLst>
+            <p:seq concurrent="1" nextAc="seek">
+              <p:cTn id="2" dur="indefinite" nodeType="mainSeq">
+                <p:childTnLst>
+                  <p:par>
+                    <p:cTn id="3" fill="hold">
+                      <p:stCondLst>
+                        <p:cond delay="indefinite"/>
+                      </p:stCondLst>
+                      <p:childTnLst>
+                        <p:par>
+                          <p:cTn id="4" fill="hold">
+                            <p:stCondLst>
+                              <p:cond delay="0"/>
+                            </p:stCondLst>
+                            <p:childTnLst>
+                              <p:par>
+                                <p:cTn id="5" presetID="1" presetClass="entr" presetSubtype="0" fill="hold" grpId="0" nodeType="clickEffect">
+                                  <p:stCondLst>
+                                    <p:cond delay="0"/>
+                                  </p:stCondLst>
+                                  <p:childTnLst>
+                                    <p:set>
+                                      <p:cBhvr>
+                                        <p:cTn id="6" dur="1" fill="hold">
+                                          <p:stCondLst>
+                                            <p:cond delay="0"/>
+                                          </p:stCondLst>
+                                        </p:cTn>
+                                        <p:tgtEl>
+                                          <p:spTgt spid="10">
+                                            <p:txEl>
+                                              <p:pRg st="0" end="0"/>
+                                            </p:txEl>
+                                          </p:spTgt>
+                                        </p:tgtEl>
+                                        <p:attrNameLst>
+                                          <p:attrName>style.visibility</p:attrName>
+                                        </p:attrNameLst>
+                                      </p:cBhvr>
+                                      <p:to>
+                                        <p:strVal val="visible"/>
+                                      </p:to>
+                                    </p:set>
+                                  </p:childTnLst>
+                                </p:cTn>
+                              </p:par>
+                            </p:childTnLst>
+                          </p:cTn>
+                        </p:par>
+                      </p:childTnLst>
+                    </p:cTn>
+                  </p:par>
+                </p:childTnLst>
+              </p:cTn>
+              <p:prevCondLst>
+                <p:cond evt="onPrev" delay="0">
+                  <p:tgtEl>
+                    <p:sldTgt/>
+                  </p:tgtEl>
+                </p:cond>
+              </p:prevCondLst>
+              <p:nextCondLst>
+                <p:cond evt="onNext" delay="0">
+                  <p:tgtEl>
+                    <p:sldTgt/>
+                  </p:tgtEl>
+                </p:cond>
+              </p:nextCondLst>
+            </p:seq>
+          </p:childTnLst>
+        </p:cTn>
+      </p:par>
+    </p:tnLst>
+    <p:bldLst>
+      <p:bldP spid="10" grpId="0" uiExpand="1" build="p"/>
+    </p:bldLst>
+  </p:timing>
+</p:sld>
+</file>
+
+<file path=ppt/slides/slide40.xml><?xml version="1.0" encoding="utf-8"?>
 <p:sld xmlns:a="http://schemas.openxmlformats.org/drawingml/2006/main" xmlns:r="http://schemas.openxmlformats.org/officeDocument/2006/relationships" xmlns:p="http://schemas.openxmlformats.org/presentationml/2006/main">
   <p:cSld>
     <p:spTree>
@@ -20181,7 +20988,7 @@
               <a:pPr>
                 <a:defRPr/>
               </a:pPr>
-              <a:t>38</a:t>
+              <a:t>40</a:t>
             </a:fld>
             <a:endParaRPr lang="en-US" altLang="en-US"/>
           </a:p>
@@ -20307,7 +21114,7 @@
 </p:sld>
 </file>
 
-<file path=ppt/slides/slide39.xml><?xml version="1.0" encoding="utf-8"?>
+<file path=ppt/slides/slide41.xml><?xml version="1.0" encoding="utf-8"?>
 <p:sld xmlns:a="http://schemas.openxmlformats.org/drawingml/2006/main" xmlns:r="http://schemas.openxmlformats.org/officeDocument/2006/relationships" xmlns:p="http://schemas.openxmlformats.org/presentationml/2006/main">
   <p:cSld>
     <p:spTree>
@@ -20479,7 +21286,7 @@
               <a:pPr>
                 <a:defRPr/>
               </a:pPr>
-              <a:t>39</a:t>
+              <a:t>41</a:t>
             </a:fld>
             <a:endParaRPr lang="en-US" altLang="en-US"/>
           </a:p>
@@ -20828,492 +21635,7 @@
 </p:sld>
 </file>
 
-<file path=ppt/slides/slide4.xml><?xml version="1.0" encoding="utf-8"?>
-<p:sld xmlns:a="http://schemas.openxmlformats.org/drawingml/2006/main" xmlns:r="http://schemas.openxmlformats.org/officeDocument/2006/relationships" xmlns:p="http://schemas.openxmlformats.org/presentationml/2006/main">
-  <p:cSld>
-    <p:spTree>
-      <p:nvGrpSpPr>
-        <p:cNvPr id="1" name=""/>
-        <p:cNvGrpSpPr/>
-        <p:nvPr/>
-      </p:nvGrpSpPr>
-      <p:grpSpPr>
-        <a:xfrm>
-          <a:off x="0" y="0"/>
-          <a:ext cx="0" cy="0"/>
-          <a:chOff x="0" y="0"/>
-          <a:chExt cx="0" cy="0"/>
-        </a:xfrm>
-      </p:grpSpPr>
-      <p:sp>
-        <p:nvSpPr>
-          <p:cNvPr id="2" name="Title 1">
-            <a:extLst>
-              <a:ext uri="{FF2B5EF4-FFF2-40B4-BE49-F238E27FC236}">
-                <a16:creationId xmlns:a16="http://schemas.microsoft.com/office/drawing/2014/main" id="{2C4D5CBB-059E-48BC-9278-161506489A64}"/>
-              </a:ext>
-            </a:extLst>
-          </p:cNvPr>
-          <p:cNvSpPr>
-            <a:spLocks noGrp="1"/>
-          </p:cNvSpPr>
-          <p:nvPr>
-            <p:ph type="title"/>
-          </p:nvPr>
-        </p:nvSpPr>
-        <p:spPr/>
-        <p:txBody>
-          <a:bodyPr/>
-          <a:lstStyle/>
-          <a:p>
-            <a:r>
-              <a:rPr lang="en-US" dirty="0"/>
-              <a:t>Finite State Machines can accept instructions</a:t>
-            </a:r>
-          </a:p>
-        </p:txBody>
-      </p:sp>
-      <p:sp>
-        <p:nvSpPr>
-          <p:cNvPr id="4" name="Date Placeholder 3">
-            <a:extLst>
-              <a:ext uri="{FF2B5EF4-FFF2-40B4-BE49-F238E27FC236}">
-                <a16:creationId xmlns:a16="http://schemas.microsoft.com/office/drawing/2014/main" id="{9A959D0E-ACE7-4643-81D9-05269EF5E26D}"/>
-              </a:ext>
-            </a:extLst>
-          </p:cNvPr>
-          <p:cNvSpPr>
-            <a:spLocks noGrp="1"/>
-          </p:cNvSpPr>
-          <p:nvPr>
-            <p:ph type="dt" sz="half" idx="10"/>
-          </p:nvPr>
-        </p:nvSpPr>
-        <p:spPr/>
-        <p:txBody>
-          <a:bodyPr/>
-          <a:lstStyle/>
-          <a:p>
-            <a:pPr>
-              <a:defRPr/>
-            </a:pPr>
-            <a:r>
-              <a:rPr lang="en-US"/>
-              <a:t>21/12/2020</a:t>
-            </a:r>
-          </a:p>
-        </p:txBody>
-      </p:sp>
-      <p:sp>
-        <p:nvSpPr>
-          <p:cNvPr id="5" name="Slide Number Placeholder 4">
-            <a:extLst>
-              <a:ext uri="{FF2B5EF4-FFF2-40B4-BE49-F238E27FC236}">
-                <a16:creationId xmlns:a16="http://schemas.microsoft.com/office/drawing/2014/main" id="{8A91ACD4-403A-45E8-90C0-BDAEEE191320}"/>
-              </a:ext>
-            </a:extLst>
-          </p:cNvPr>
-          <p:cNvSpPr>
-            <a:spLocks noGrp="1"/>
-          </p:cNvSpPr>
-          <p:nvPr>
-            <p:ph type="sldNum" sz="quarter" idx="12"/>
-          </p:nvPr>
-        </p:nvSpPr>
-        <p:spPr/>
-        <p:txBody>
-          <a:bodyPr/>
-          <a:lstStyle/>
-          <a:p>
-            <a:pPr>
-              <a:defRPr/>
-            </a:pPr>
-            <a:fld id="{CA887A73-1AE0-46F8-856A-18EA1CF30A1B}" type="slidenum">
-              <a:rPr lang="en-US" altLang="en-US" smtClean="0"/>
-              <a:pPr>
-                <a:defRPr/>
-              </a:pPr>
-              <a:t>4</a:t>
-            </a:fld>
-            <a:endParaRPr lang="en-US" altLang="en-US"/>
-          </a:p>
-        </p:txBody>
-      </p:sp>
-      <p:pic>
-        <p:nvPicPr>
-          <p:cNvPr id="2052" name="Picture 4">
-            <a:extLst>
-              <a:ext uri="{FF2B5EF4-FFF2-40B4-BE49-F238E27FC236}">
-                <a16:creationId xmlns:a16="http://schemas.microsoft.com/office/drawing/2014/main" id="{6D1FF6F0-0C74-4D28-B57C-8B449E86E210}"/>
-              </a:ext>
-            </a:extLst>
-          </p:cNvPr>
-          <p:cNvPicPr>
-            <a:picLocks noGrp="1" noChangeAspect="1" noChangeArrowheads="1"/>
-          </p:cNvPicPr>
-          <p:nvPr>
-            <p:ph idx="1"/>
-          </p:nvPr>
-        </p:nvPicPr>
-        <p:blipFill>
-          <a:blip r:embed="rId2">
-            <a:extLst>
-              <a:ext uri="{28A0092B-C50C-407E-A947-70E740481C1C}">
-                <a14:useLocalDpi xmlns:a14="http://schemas.microsoft.com/office/drawing/2010/main" val="0"/>
-              </a:ext>
-            </a:extLst>
-          </a:blip>
-          <a:srcRect/>
-          <a:stretch>
-            <a:fillRect/>
-          </a:stretch>
-        </p:blipFill>
-        <p:spPr bwMode="auto">
-          <a:xfrm>
-            <a:off x="1779958" y="1447800"/>
-            <a:ext cx="5584083" cy="3811587"/>
-          </a:xfrm>
-          <a:prstGeom prst="rect">
-            <a:avLst/>
-          </a:prstGeom>
-          <a:noFill/>
-          <a:extLst>
-            <a:ext uri="{909E8E84-426E-40DD-AFC4-6F175D3DCCD1}">
-              <a14:hiddenFill xmlns:a14="http://schemas.microsoft.com/office/drawing/2010/main">
-                <a:solidFill>
-                  <a:srgbClr val="FFFFFF"/>
-                </a:solidFill>
-              </a14:hiddenFill>
-            </a:ext>
-          </a:extLst>
-        </p:spPr>
-      </p:pic>
-      <p:sp>
-        <p:nvSpPr>
-          <p:cNvPr id="10" name="Content Placeholder 2">
-            <a:extLst>
-              <a:ext uri="{FF2B5EF4-FFF2-40B4-BE49-F238E27FC236}">
-                <a16:creationId xmlns:a16="http://schemas.microsoft.com/office/drawing/2014/main" id="{8EA9302A-76A9-4F2A-9106-9DC771B312C0}"/>
-              </a:ext>
-            </a:extLst>
-          </p:cNvPr>
-          <p:cNvSpPr txBox="1">
-            <a:spLocks/>
-          </p:cNvSpPr>
-          <p:nvPr/>
-        </p:nvSpPr>
-        <p:spPr bwMode="auto">
-          <a:xfrm>
-            <a:off x="152400" y="5181600"/>
-            <a:ext cx="8839200" cy="1295400"/>
-          </a:xfrm>
-          <a:prstGeom prst="rect">
-            <a:avLst/>
-          </a:prstGeom>
-          <a:noFill/>
-          <a:ln>
-            <a:noFill/>
-          </a:ln>
-          <a:extLst>
-            <a:ext uri="{909E8E84-426E-40DD-AFC4-6F175D3DCCD1}">
-              <a14:hiddenFill xmlns:a14="http://schemas.microsoft.com/office/drawing/2010/main">
-                <a:solidFill>
-                  <a:srgbClr val="FFFFFF"/>
-                </a:solidFill>
-              </a14:hiddenFill>
-            </a:ext>
-            <a:ext uri="{91240B29-F687-4F45-9708-019B960494DF}">
-              <a14:hiddenLine xmlns:a14="http://schemas.microsoft.com/office/drawing/2010/main" w="9525">
-                <a:solidFill>
-                  <a:srgbClr val="000000"/>
-                </a:solidFill>
-                <a:miter lim="800000"/>
-                <a:headEnd/>
-                <a:tailEnd/>
-              </a14:hiddenLine>
-            </a:ext>
-          </a:extLst>
-        </p:spPr>
-        <p:txBody>
-          <a:bodyPr vert="horz" wrap="square" lIns="91440" tIns="45720" rIns="91440" bIns="45720" numCol="1" anchor="t" anchorCtr="0" compatLnSpc="1">
-            <a:prstTxWarp prst="textNoShape">
-              <a:avLst/>
-            </a:prstTxWarp>
-          </a:bodyPr>
-          <a:lstStyle>
-            <a:lvl1pPr marL="342900" indent="-342900" algn="l" rtl="0" eaLnBrk="0" fontAlgn="base" hangingPunct="0">
-              <a:spcBef>
-                <a:spcPct val="20000"/>
-              </a:spcBef>
-              <a:spcAft>
-                <a:spcPct val="0"/>
-              </a:spcAft>
-              <a:buFont typeface="Arial" panose="020B0604020202020204" pitchFamily="34" charset="0"/>
-              <a:buChar char="•"/>
-              <a:defRPr sz="3200" kern="1200">
-                <a:solidFill>
-                  <a:schemeClr val="tx1">
-                    <a:lumMod val="50000"/>
-                    <a:lumOff val="50000"/>
-                  </a:schemeClr>
-                </a:solidFill>
-                <a:latin typeface="+mn-lt"/>
-                <a:ea typeface="+mn-ea"/>
-                <a:cs typeface="+mn-cs"/>
-              </a:defRPr>
-            </a:lvl1pPr>
-            <a:lvl2pPr marL="742950" indent="-285750" algn="l" rtl="0" eaLnBrk="0" fontAlgn="base" hangingPunct="0">
-              <a:spcBef>
-                <a:spcPct val="20000"/>
-              </a:spcBef>
-              <a:spcAft>
-                <a:spcPct val="0"/>
-              </a:spcAft>
-              <a:buFont typeface="Arial" panose="020B0604020202020204" pitchFamily="34" charset="0"/>
-              <a:buChar char="–"/>
-              <a:defRPr sz="2800" kern="1200">
-                <a:solidFill>
-                  <a:schemeClr val="tx1">
-                    <a:lumMod val="50000"/>
-                    <a:lumOff val="50000"/>
-                  </a:schemeClr>
-                </a:solidFill>
-                <a:latin typeface="+mn-lt"/>
-                <a:ea typeface="+mn-ea"/>
-                <a:cs typeface="+mn-cs"/>
-              </a:defRPr>
-            </a:lvl2pPr>
-            <a:lvl3pPr marL="1143000" indent="-228600" algn="l" rtl="0" eaLnBrk="0" fontAlgn="base" hangingPunct="0">
-              <a:spcBef>
-                <a:spcPct val="20000"/>
-              </a:spcBef>
-              <a:spcAft>
-                <a:spcPct val="0"/>
-              </a:spcAft>
-              <a:buFont typeface="Arial" panose="020B0604020202020204" pitchFamily="34" charset="0"/>
-              <a:buChar char="•"/>
-              <a:defRPr sz="2400" kern="1200">
-                <a:solidFill>
-                  <a:schemeClr val="tx1">
-                    <a:lumMod val="50000"/>
-                    <a:lumOff val="50000"/>
-                  </a:schemeClr>
-                </a:solidFill>
-                <a:latin typeface="+mn-lt"/>
-                <a:ea typeface="+mn-ea"/>
-                <a:cs typeface="+mn-cs"/>
-              </a:defRPr>
-            </a:lvl3pPr>
-            <a:lvl4pPr marL="1600200" indent="-228600" algn="l" rtl="0" eaLnBrk="0" fontAlgn="base" hangingPunct="0">
-              <a:spcBef>
-                <a:spcPct val="20000"/>
-              </a:spcBef>
-              <a:spcAft>
-                <a:spcPct val="0"/>
-              </a:spcAft>
-              <a:buFont typeface="Arial" panose="020B0604020202020204" pitchFamily="34" charset="0"/>
-              <a:buChar char="–"/>
-              <a:defRPr sz="2000" kern="1200">
-                <a:solidFill>
-                  <a:schemeClr val="tx1">
-                    <a:lumMod val="50000"/>
-                    <a:lumOff val="50000"/>
-                  </a:schemeClr>
-                </a:solidFill>
-                <a:latin typeface="+mn-lt"/>
-                <a:ea typeface="+mn-ea"/>
-                <a:cs typeface="+mn-cs"/>
-              </a:defRPr>
-            </a:lvl4pPr>
-            <a:lvl5pPr marL="2057400" indent="-228600" algn="l" rtl="0" eaLnBrk="0" fontAlgn="base" hangingPunct="0">
-              <a:spcBef>
-                <a:spcPct val="20000"/>
-              </a:spcBef>
-              <a:spcAft>
-                <a:spcPct val="0"/>
-              </a:spcAft>
-              <a:buFont typeface="Arial" panose="020B0604020202020204" pitchFamily="34" charset="0"/>
-              <a:buChar char="»"/>
-              <a:defRPr sz="2000" kern="1200">
-                <a:solidFill>
-                  <a:schemeClr val="tx1">
-                    <a:lumMod val="50000"/>
-                    <a:lumOff val="50000"/>
-                  </a:schemeClr>
-                </a:solidFill>
-                <a:latin typeface="+mn-lt"/>
-                <a:ea typeface="+mn-ea"/>
-                <a:cs typeface="+mn-cs"/>
-              </a:defRPr>
-            </a:lvl5pPr>
-            <a:lvl6pPr marL="2514600" indent="-228600" algn="l" defTabSz="914400" rtl="0" eaLnBrk="1" latinLnBrk="0" hangingPunct="1">
-              <a:spcBef>
-                <a:spcPct val="20000"/>
-              </a:spcBef>
-              <a:buFont typeface="Arial" pitchFamily="34" charset="0"/>
-              <a:buChar char="•"/>
-              <a:defRPr sz="2000" kern="1200">
-                <a:solidFill>
-                  <a:schemeClr val="tx1"/>
-                </a:solidFill>
-                <a:latin typeface="+mn-lt"/>
-                <a:ea typeface="+mn-ea"/>
-                <a:cs typeface="+mn-cs"/>
-              </a:defRPr>
-            </a:lvl6pPr>
-            <a:lvl7pPr marL="2971800" indent="-228600" algn="l" defTabSz="914400" rtl="0" eaLnBrk="1" latinLnBrk="0" hangingPunct="1">
-              <a:spcBef>
-                <a:spcPct val="20000"/>
-              </a:spcBef>
-              <a:buFont typeface="Arial" pitchFamily="34" charset="0"/>
-              <a:buChar char="•"/>
-              <a:defRPr sz="2000" kern="1200">
-                <a:solidFill>
-                  <a:schemeClr val="tx1"/>
-                </a:solidFill>
-                <a:latin typeface="+mn-lt"/>
-                <a:ea typeface="+mn-ea"/>
-                <a:cs typeface="+mn-cs"/>
-              </a:defRPr>
-            </a:lvl7pPr>
-            <a:lvl8pPr marL="3429000" indent="-228600" algn="l" defTabSz="914400" rtl="0" eaLnBrk="1" latinLnBrk="0" hangingPunct="1">
-              <a:spcBef>
-                <a:spcPct val="20000"/>
-              </a:spcBef>
-              <a:buFont typeface="Arial" pitchFamily="34" charset="0"/>
-              <a:buChar char="•"/>
-              <a:defRPr sz="2000" kern="1200">
-                <a:solidFill>
-                  <a:schemeClr val="tx1"/>
-                </a:solidFill>
-                <a:latin typeface="+mn-lt"/>
-                <a:ea typeface="+mn-ea"/>
-                <a:cs typeface="+mn-cs"/>
-              </a:defRPr>
-            </a:lvl8pPr>
-            <a:lvl9pPr marL="3886200" indent="-228600" algn="l" defTabSz="914400" rtl="0" eaLnBrk="1" latinLnBrk="0" hangingPunct="1">
-              <a:spcBef>
-                <a:spcPct val="20000"/>
-              </a:spcBef>
-              <a:buFont typeface="Arial" pitchFamily="34" charset="0"/>
-              <a:buChar char="•"/>
-              <a:defRPr sz="2000" kern="1200">
-                <a:solidFill>
-                  <a:schemeClr val="tx1"/>
-                </a:solidFill>
-                <a:latin typeface="+mn-lt"/>
-                <a:ea typeface="+mn-ea"/>
-                <a:cs typeface="+mn-cs"/>
-              </a:defRPr>
-            </a:lvl9pPr>
-          </a:lstStyle>
-          <a:p>
-            <a:pPr marL="0" indent="0">
-              <a:buNone/>
-            </a:pPr>
-            <a:r>
-              <a:rPr lang="en-US" sz="2000" dirty="0"/>
-              <a:t>Write a ROM that takes 2 2-bit numbers from registers as inputs, reads an operation from a 2-bit encoder (+/- buttons pressed by user) and puts the result back in one of the two registers (again specified by user button). It should execute only when the +/- button is pressed, and otherwise go to a ‘waiting’ state.</a:t>
-            </a:r>
-          </a:p>
-        </p:txBody>
-      </p:sp>
-    </p:spTree>
-    <p:extLst>
-      <p:ext uri="{BB962C8B-B14F-4D97-AF65-F5344CB8AC3E}">
-        <p14:creationId xmlns:p14="http://schemas.microsoft.com/office/powerpoint/2010/main" val="2180041779"/>
-      </p:ext>
-    </p:extLst>
-  </p:cSld>
-  <p:clrMapOvr>
-    <a:masterClrMapping/>
-  </p:clrMapOvr>
-  <p:timing>
-    <p:tnLst>
-      <p:par>
-        <p:cTn id="1" dur="indefinite" restart="never" nodeType="tmRoot">
-          <p:childTnLst>
-            <p:seq concurrent="1" nextAc="seek">
-              <p:cTn id="2" dur="indefinite" nodeType="mainSeq">
-                <p:childTnLst>
-                  <p:par>
-                    <p:cTn id="3" fill="hold">
-                      <p:stCondLst>
-                        <p:cond delay="indefinite"/>
-                      </p:stCondLst>
-                      <p:childTnLst>
-                        <p:par>
-                          <p:cTn id="4" fill="hold">
-                            <p:stCondLst>
-                              <p:cond delay="0"/>
-                            </p:stCondLst>
-                            <p:childTnLst>
-                              <p:par>
-                                <p:cTn id="5" presetID="1" presetClass="entr" presetSubtype="0" fill="hold" grpId="0" nodeType="clickEffect">
-                                  <p:stCondLst>
-                                    <p:cond delay="0"/>
-                                  </p:stCondLst>
-                                  <p:childTnLst>
-                                    <p:set>
-                                      <p:cBhvr>
-                                        <p:cTn id="6" dur="1" fill="hold">
-                                          <p:stCondLst>
-                                            <p:cond delay="0"/>
-                                          </p:stCondLst>
-                                        </p:cTn>
-                                        <p:tgtEl>
-                                          <p:spTgt spid="10">
-                                            <p:txEl>
-                                              <p:pRg st="0" end="0"/>
-                                            </p:txEl>
-                                          </p:spTgt>
-                                        </p:tgtEl>
-                                        <p:attrNameLst>
-                                          <p:attrName>style.visibility</p:attrName>
-                                        </p:attrNameLst>
-                                      </p:cBhvr>
-                                      <p:to>
-                                        <p:strVal val="visible"/>
-                                      </p:to>
-                                    </p:set>
-                                  </p:childTnLst>
-                                </p:cTn>
-                              </p:par>
-                            </p:childTnLst>
-                          </p:cTn>
-                        </p:par>
-                      </p:childTnLst>
-                    </p:cTn>
-                  </p:par>
-                </p:childTnLst>
-              </p:cTn>
-              <p:prevCondLst>
-                <p:cond evt="onPrev" delay="0">
-                  <p:tgtEl>
-                    <p:sldTgt/>
-                  </p:tgtEl>
-                </p:cond>
-              </p:prevCondLst>
-              <p:nextCondLst>
-                <p:cond evt="onNext" delay="0">
-                  <p:tgtEl>
-                    <p:sldTgt/>
-                  </p:tgtEl>
-                </p:cond>
-              </p:nextCondLst>
-            </p:seq>
-          </p:childTnLst>
-        </p:cTn>
-      </p:par>
-    </p:tnLst>
-    <p:bldLst>
-      <p:bldP spid="10" grpId="0" uiExpand="1" build="p"/>
-    </p:bldLst>
-  </p:timing>
-</p:sld>
-</file>
-
-<file path=ppt/slides/slide40.xml><?xml version="1.0" encoding="utf-8"?>
+<file path=ppt/slides/slide42.xml><?xml version="1.0" encoding="utf-8"?>
 <p:sld xmlns:a="http://schemas.openxmlformats.org/drawingml/2006/main" xmlns:r="http://schemas.openxmlformats.org/officeDocument/2006/relationships" xmlns:p="http://schemas.openxmlformats.org/presentationml/2006/main">
   <p:cSld>
     <p:spTree>
@@ -21418,7 +21740,7 @@
               <a:pPr>
                 <a:defRPr/>
               </a:pPr>
-              <a:t>40</a:t>
+              <a:t>42</a:t>
             </a:fld>
             <a:endParaRPr lang="en-US" altLang="en-US"/>
           </a:p>
@@ -21940,7 +22262,7 @@
 </p:sld>
 </file>
 
-<file path=ppt/slides/slide41.xml><?xml version="1.0" encoding="utf-8"?>
+<file path=ppt/slides/slide43.xml><?xml version="1.0" encoding="utf-8"?>
 <p:sld xmlns:a="http://schemas.openxmlformats.org/drawingml/2006/main" xmlns:r="http://schemas.openxmlformats.org/officeDocument/2006/relationships" xmlns:p="http://schemas.openxmlformats.org/presentationml/2006/main">
   <p:cSld>
     <p:spTree>
@@ -22045,7 +22367,7 @@
               <a:pPr>
                 <a:defRPr/>
               </a:pPr>
-              <a:t>41</a:t>
+              <a:t>43</a:t>
             </a:fld>
             <a:endParaRPr lang="en-US" altLang="en-US"/>
           </a:p>
@@ -22309,7 +22631,7 @@
 </p:sld>
 </file>
 
-<file path=ppt/slides/slide42.xml><?xml version="1.0" encoding="utf-8"?>
+<file path=ppt/slides/slide44.xml><?xml version="1.0" encoding="utf-8"?>
 <p:sld xmlns:a="http://schemas.openxmlformats.org/drawingml/2006/main" xmlns:r="http://schemas.openxmlformats.org/officeDocument/2006/relationships" xmlns:p="http://schemas.openxmlformats.org/presentationml/2006/main">
   <p:cSld>
     <p:spTree>
@@ -22510,7 +22832,7 @@
               <a:pPr>
                 <a:defRPr/>
               </a:pPr>
-              <a:t>42</a:t>
+              <a:t>44</a:t>
             </a:fld>
             <a:endParaRPr lang="en-US" altLang="en-US"/>
           </a:p>
@@ -23015,7 +23337,7 @@
 </p:sld>
 </file>
 
-<file path=ppt/slides/slide43.xml><?xml version="1.0" encoding="utf-8"?>
+<file path=ppt/slides/slide45.xml><?xml version="1.0" encoding="utf-8"?>
 <p:sld xmlns:a="http://schemas.openxmlformats.org/drawingml/2006/main" xmlns:r="http://schemas.openxmlformats.org/officeDocument/2006/relationships" xmlns:p="http://schemas.openxmlformats.org/presentationml/2006/main">
   <p:cSld>
     <p:spTree>
@@ -23120,7 +23442,7 @@
               <a:pPr>
                 <a:defRPr/>
               </a:pPr>
-              <a:t>43</a:t>
+              <a:t>45</a:t>
             </a:fld>
             <a:endParaRPr lang="en-US" altLang="en-US"/>
           </a:p>
@@ -23713,7 +24035,7 @@
 </p:sld>
 </file>
 
-<file path=ppt/slides/slide44.xml><?xml version="1.0" encoding="utf-8"?>
+<file path=ppt/slides/slide46.xml><?xml version="1.0" encoding="utf-8"?>
 <p:sld xmlns:a="http://schemas.openxmlformats.org/drawingml/2006/main" xmlns:r="http://schemas.openxmlformats.org/officeDocument/2006/relationships" xmlns:p="http://schemas.openxmlformats.org/presentationml/2006/main">
   <p:cSld>
     <p:spTree>
@@ -25694,7 +26016,7 @@
               <a:pPr>
                 <a:defRPr/>
               </a:pPr>
-              <a:t>44</a:t>
+              <a:t>46</a:t>
             </a:fld>
             <a:endParaRPr lang="en-US" altLang="en-US"/>
           </a:p>
@@ -25713,7 +26035,7 @@
 </p:sld>
 </file>
 
-<file path=ppt/slides/slide45.xml><?xml version="1.0" encoding="utf-8"?>
+<file path=ppt/slides/slide47.xml><?xml version="1.0" encoding="utf-8"?>
 <p:sld xmlns:a="http://schemas.openxmlformats.org/drawingml/2006/main" xmlns:r="http://schemas.openxmlformats.org/officeDocument/2006/relationships" xmlns:p="http://schemas.openxmlformats.org/presentationml/2006/main">
   <p:cSld>
     <p:spTree>
@@ -25840,7 +26162,7 @@
               <a:pPr>
                 <a:defRPr/>
               </a:pPr>
-              <a:t>45</a:t>
+              <a:t>47</a:t>
             </a:fld>
             <a:endParaRPr lang="en-US" altLang="en-US"/>
           </a:p>
@@ -25859,7 +26181,7 @@
 </p:sld>
 </file>
 
-<file path=ppt/slides/slide46.xml><?xml version="1.0" encoding="utf-8"?>
+<file path=ppt/slides/slide48.xml><?xml version="1.0" encoding="utf-8"?>
 <p:sld xmlns:a="http://schemas.openxmlformats.org/drawingml/2006/main" xmlns:r="http://schemas.openxmlformats.org/officeDocument/2006/relationships" xmlns:p="http://schemas.openxmlformats.org/presentationml/2006/main">
   <p:cSld>
     <p:spTree>
@@ -26147,7 +26469,7 @@
               <a:pPr>
                 <a:defRPr/>
               </a:pPr>
-              <a:t>46</a:t>
+              <a:t>48</a:t>
             </a:fld>
             <a:endParaRPr lang="en-US" altLang="en-US"/>
           </a:p>
